--- a/Lugares que Hablan.pptx
+++ b/Lugares que Hablan.pptx
@@ -123,7 +123,7 @@
 <file path=ppt/revisionInfo.xml><?xml version="1.0" encoding="utf-8"?>
 <p1510:revInfo xmlns:a="http://schemas.openxmlformats.org/drawingml/2006/main" xmlns:r="http://schemas.openxmlformats.org/officeDocument/2006/relationships" xmlns:p1510="http://schemas.microsoft.com/office/powerpoint/2015/10/main">
   <p1510:revLst>
-    <p1510:client id="{EE9427DA-0179-40AD-A56F-F29E4ACF99A2}" v="214" dt="2021-05-04T08:12:02.971"/>
+    <p1510:client id="{EE9427DA-0179-40AD-A56F-F29E4ACF99A2}" v="216" dt="2021-05-04T08:31:41.864"/>
   </p1510:revLst>
 </p1510:revInfo>
 </file>
@@ -226,7 +226,7 @@
   <pc:docChgLst>
     <pc:chgData name="Mauricio Cuevas" userId="78f6fe032c78bf77" providerId="LiveId" clId="{EE9427DA-0179-40AD-A56F-F29E4ACF99A2}"/>
     <pc:docChg chg="undo custSel addSld delSld modSld">
-      <pc:chgData name="Mauricio Cuevas" userId="78f6fe032c78bf77" providerId="LiveId" clId="{EE9427DA-0179-40AD-A56F-F29E4ACF99A2}" dt="2021-05-04T08:12:02.971" v="2619" actId="20577"/>
+      <pc:chgData name="Mauricio Cuevas" userId="78f6fe032c78bf77" providerId="LiveId" clId="{EE9427DA-0179-40AD-A56F-F29E4ACF99A2}" dt="2021-05-04T08:33:06.717" v="2656" actId="1076"/>
       <pc:docMkLst>
         <pc:docMk/>
       </pc:docMkLst>
@@ -660,7 +660,7 @@
         </pc:picChg>
       </pc:sldChg>
       <pc:sldChg chg="addSp delSp modSp mod setBg setClrOvrMap">
-        <pc:chgData name="Mauricio Cuevas" userId="78f6fe032c78bf77" providerId="LiveId" clId="{EE9427DA-0179-40AD-A56F-F29E4ACF99A2}" dt="2021-05-04T07:40:57.382" v="2367" actId="26606"/>
+        <pc:chgData name="Mauricio Cuevas" userId="78f6fe032c78bf77" providerId="LiveId" clId="{EE9427DA-0179-40AD-A56F-F29E4ACF99A2}" dt="2021-05-04T08:33:06.717" v="2656" actId="1076"/>
         <pc:sldMkLst>
           <pc:docMk/>
           <pc:sldMk cId="2962567178" sldId="259"/>
@@ -671,6 +671,14 @@
             <pc:docMk/>
             <pc:sldMk cId="2962567178" sldId="259"/>
             <ac:spMk id="2" creationId="{F20C13F1-C6E2-4AFB-8891-9B9BE702CAA1}"/>
+          </ac:spMkLst>
+        </pc:spChg>
+        <pc:spChg chg="add mod">
+          <ac:chgData name="Mauricio Cuevas" userId="78f6fe032c78bf77" providerId="LiveId" clId="{EE9427DA-0179-40AD-A56F-F29E4ACF99A2}" dt="2021-05-04T08:33:06.717" v="2656" actId="1076"/>
+          <ac:spMkLst>
+            <pc:docMk/>
+            <pc:sldMk cId="2962567178" sldId="259"/>
+            <ac:spMk id="3" creationId="{823FB03A-394F-4705-83F3-9260A918B83C}"/>
           </ac:spMkLst>
         </pc:spChg>
         <pc:spChg chg="del">
@@ -6541,7 +6549,7 @@
           <a:p>
             <a:fld id="{326353AC-C122-42C7-AFAF-613904F728D5}" type="datetimeFigureOut">
               <a:rPr lang="es-CL" smtClean="0"/>
-              <a:t>03-05-2021</a:t>
+              <a:t>04-05-2021</a:t>
             </a:fld>
             <a:endParaRPr lang="es-CL"/>
           </a:p>
@@ -6741,7 +6749,7 @@
           <a:p>
             <a:fld id="{326353AC-C122-42C7-AFAF-613904F728D5}" type="datetimeFigureOut">
               <a:rPr lang="es-CL" smtClean="0"/>
-              <a:t>03-05-2021</a:t>
+              <a:t>04-05-2021</a:t>
             </a:fld>
             <a:endParaRPr lang="es-CL"/>
           </a:p>
@@ -6951,7 +6959,7 @@
           <a:p>
             <a:fld id="{326353AC-C122-42C7-AFAF-613904F728D5}" type="datetimeFigureOut">
               <a:rPr lang="es-CL" smtClean="0"/>
-              <a:t>03-05-2021</a:t>
+              <a:t>04-05-2021</a:t>
             </a:fld>
             <a:endParaRPr lang="es-CL"/>
           </a:p>
@@ -7151,7 +7159,7 @@
           <a:p>
             <a:fld id="{326353AC-C122-42C7-AFAF-613904F728D5}" type="datetimeFigureOut">
               <a:rPr lang="es-CL" smtClean="0"/>
-              <a:t>03-05-2021</a:t>
+              <a:t>04-05-2021</a:t>
             </a:fld>
             <a:endParaRPr lang="es-CL"/>
           </a:p>
@@ -7427,7 +7435,7 @@
           <a:p>
             <a:fld id="{326353AC-C122-42C7-AFAF-613904F728D5}" type="datetimeFigureOut">
               <a:rPr lang="es-CL" smtClean="0"/>
-              <a:t>03-05-2021</a:t>
+              <a:t>04-05-2021</a:t>
             </a:fld>
             <a:endParaRPr lang="es-CL"/>
           </a:p>
@@ -7695,7 +7703,7 @@
           <a:p>
             <a:fld id="{326353AC-C122-42C7-AFAF-613904F728D5}" type="datetimeFigureOut">
               <a:rPr lang="es-CL" smtClean="0"/>
-              <a:t>03-05-2021</a:t>
+              <a:t>04-05-2021</a:t>
             </a:fld>
             <a:endParaRPr lang="es-CL"/>
           </a:p>
@@ -8110,7 +8118,7 @@
           <a:p>
             <a:fld id="{326353AC-C122-42C7-AFAF-613904F728D5}" type="datetimeFigureOut">
               <a:rPr lang="es-CL" smtClean="0"/>
-              <a:t>03-05-2021</a:t>
+              <a:t>04-05-2021</a:t>
             </a:fld>
             <a:endParaRPr lang="es-CL"/>
           </a:p>
@@ -8252,7 +8260,7 @@
           <a:p>
             <a:fld id="{326353AC-C122-42C7-AFAF-613904F728D5}" type="datetimeFigureOut">
               <a:rPr lang="es-CL" smtClean="0"/>
-              <a:t>03-05-2021</a:t>
+              <a:t>04-05-2021</a:t>
             </a:fld>
             <a:endParaRPr lang="es-CL"/>
           </a:p>
@@ -8365,7 +8373,7 @@
           <a:p>
             <a:fld id="{326353AC-C122-42C7-AFAF-613904F728D5}" type="datetimeFigureOut">
               <a:rPr lang="es-CL" smtClean="0"/>
-              <a:t>03-05-2021</a:t>
+              <a:t>04-05-2021</a:t>
             </a:fld>
             <a:endParaRPr lang="es-CL"/>
           </a:p>
@@ -8678,7 +8686,7 @@
           <a:p>
             <a:fld id="{326353AC-C122-42C7-AFAF-613904F728D5}" type="datetimeFigureOut">
               <a:rPr lang="es-CL" smtClean="0"/>
-              <a:t>03-05-2021</a:t>
+              <a:t>04-05-2021</a:t>
             </a:fld>
             <a:endParaRPr lang="es-CL"/>
           </a:p>
@@ -8967,7 +8975,7 @@
           <a:p>
             <a:fld id="{326353AC-C122-42C7-AFAF-613904F728D5}" type="datetimeFigureOut">
               <a:rPr lang="es-CL" smtClean="0"/>
-              <a:t>03-05-2021</a:t>
+              <a:t>04-05-2021</a:t>
             </a:fld>
             <a:endParaRPr lang="es-CL"/>
           </a:p>
@@ -9210,7 +9218,7 @@
           <a:p>
             <a:fld id="{326353AC-C122-42C7-AFAF-613904F728D5}" type="datetimeFigureOut">
               <a:rPr lang="es-CL" smtClean="0"/>
-              <a:t>03-05-2021</a:t>
+              <a:t>04-05-2021</a:t>
             </a:fld>
             <a:endParaRPr lang="es-CL"/>
           </a:p>
@@ -17665,6 +17673,43 @@
           </a:p>
         </p:txBody>
       </p:sp>
+      <p:sp>
+        <p:nvSpPr>
+          <p:cNvPr id="3" name="CuadroTexto 2">
+            <a:hlinkClick r:id="rId3"/>
+            <a:extLst>
+              <a:ext uri="{FF2B5EF4-FFF2-40B4-BE49-F238E27FC236}">
+                <a16:creationId xmlns:a16="http://schemas.microsoft.com/office/drawing/2014/main" id="{823FB03A-394F-4705-83F3-9260A918B83C}"/>
+              </a:ext>
+            </a:extLst>
+          </p:cNvPr>
+          <p:cNvSpPr txBox="1"/>
+          <p:nvPr/>
+        </p:nvSpPr>
+        <p:spPr>
+          <a:xfrm>
+            <a:off x="6747807" y="4211273"/>
+            <a:ext cx="3842822" cy="369332"/>
+          </a:xfrm>
+          <a:prstGeom prst="rect">
+            <a:avLst/>
+          </a:prstGeom>
+          <a:noFill/>
+        </p:spPr>
+        <p:txBody>
+          <a:bodyPr wrap="square" rtlCol="0">
+            <a:spAutoFit/>
+          </a:bodyPr>
+          <a:lstStyle/>
+          <a:p>
+            <a:pPr algn="ctr"/>
+            <a:r>
+              <a:rPr lang="es-CL" dirty="0"/>
+              <a:t>Veámoslo en la Aplicación WEB</a:t>
+            </a:r>
+          </a:p>
+        </p:txBody>
+      </p:sp>
     </p:spTree>
     <p:extLst>
       <p:ext uri="{BB962C8B-B14F-4D97-AF65-F5344CB8AC3E}">

--- a/Lugares que Hablan.pptx
+++ b/Lugares que Hablan.pptx
@@ -123,7 +123,7 @@
 <file path=ppt/revisionInfo.xml><?xml version="1.0" encoding="utf-8"?>
 <p1510:revInfo xmlns:a="http://schemas.openxmlformats.org/drawingml/2006/main" xmlns:r="http://schemas.openxmlformats.org/officeDocument/2006/relationships" xmlns:p1510="http://schemas.microsoft.com/office/powerpoint/2015/10/main">
   <p1510:revLst>
-    <p1510:client id="{EE9427DA-0179-40AD-A56F-F29E4ACF99A2}" v="216" dt="2021-05-04T08:31:41.864"/>
+    <p1510:client id="{EE9427DA-0179-40AD-A56F-F29E4ACF99A2}" v="300" dt="2021-05-04T16:24:49.909"/>
   </p1510:revLst>
 </p1510:revInfo>
 </file>
@@ -226,7 +226,7 @@
   <pc:docChgLst>
     <pc:chgData name="Mauricio Cuevas" userId="78f6fe032c78bf77" providerId="LiveId" clId="{EE9427DA-0179-40AD-A56F-F29E4ACF99A2}"/>
     <pc:docChg chg="undo custSel addSld delSld modSld">
-      <pc:chgData name="Mauricio Cuevas" userId="78f6fe032c78bf77" providerId="LiveId" clId="{EE9427DA-0179-40AD-A56F-F29E4ACF99A2}" dt="2021-05-04T08:33:06.717" v="2656" actId="1076"/>
+      <pc:chgData name="Mauricio Cuevas" userId="78f6fe032c78bf77" providerId="LiveId" clId="{EE9427DA-0179-40AD-A56F-F29E4ACF99A2}" dt="2021-05-04T16:25:15.466" v="2739" actId="14100"/>
       <pc:docMkLst>
         <pc:docMk/>
       </pc:docMkLst>
@@ -1399,7 +1399,7 @@
         </pc:cxnChg>
       </pc:sldChg>
       <pc:sldChg chg="addSp delSp modSp add mod setBg setClrOvrMap">
-        <pc:chgData name="Mauricio Cuevas" userId="78f6fe032c78bf77" providerId="LiveId" clId="{EE9427DA-0179-40AD-A56F-F29E4ACF99A2}" dt="2021-05-04T08:08:36.644" v="2535" actId="26606"/>
+        <pc:chgData name="Mauricio Cuevas" userId="78f6fe032c78bf77" providerId="LiveId" clId="{EE9427DA-0179-40AD-A56F-F29E4ACF99A2}" dt="2021-05-04T16:25:15.466" v="2739" actId="14100"/>
         <pc:sldMkLst>
           <pc:docMk/>
           <pc:sldMk cId="2704695454" sldId="263"/>
@@ -1413,7 +1413,7 @@
           </ac:spMkLst>
         </pc:spChg>
         <pc:spChg chg="mod">
-          <ac:chgData name="Mauricio Cuevas" userId="78f6fe032c78bf77" providerId="LiveId" clId="{EE9427DA-0179-40AD-A56F-F29E4ACF99A2}" dt="2021-05-04T08:08:36.644" v="2535" actId="26606"/>
+          <ac:chgData name="Mauricio Cuevas" userId="78f6fe032c78bf77" providerId="LiveId" clId="{EE9427DA-0179-40AD-A56F-F29E4ACF99A2}" dt="2021-05-04T16:25:15.466" v="2739" actId="14100"/>
           <ac:spMkLst>
             <pc:docMk/>
             <pc:sldMk cId="2704695454" sldId="263"/>
@@ -1733,7 +1733,7 @@
           </ac:grpSpMkLst>
         </pc:grpChg>
         <pc:graphicFrameChg chg="add mod">
-          <ac:chgData name="Mauricio Cuevas" userId="78f6fe032c78bf77" providerId="LiveId" clId="{EE9427DA-0179-40AD-A56F-F29E4ACF99A2}" dt="2021-05-04T08:08:36.644" v="2535" actId="26606"/>
+          <ac:chgData name="Mauricio Cuevas" userId="78f6fe032c78bf77" providerId="LiveId" clId="{EE9427DA-0179-40AD-A56F-F29E4ACF99A2}" dt="2021-05-04T16:24:49.909" v="2737" actId="403"/>
           <ac:graphicFrameMkLst>
             <pc:docMk/>
             <pc:sldMk cId="2704695454" sldId="263"/>
@@ -3566,8 +3566,10 @@
     <c:autoTitleDeleted val="1"/>
     <c:plotArea>
       <c:layout/>
-      <c:pieChart>
-        <c:varyColors val="1"/>
+      <c:barChart>
+        <c:barDir val="col"/>
+        <c:grouping val="clustered"/>
+        <c:varyColors val="0"/>
         <c:ser>
           <c:idx val="0"/>
           <c:order val="0"/>
@@ -3582,12 +3584,31 @@
               </c:strCache>
             </c:strRef>
           </c:tx>
+          <c:spPr>
+            <a:solidFill>
+              <a:schemeClr val="accent1"/>
+            </a:solidFill>
+            <a:ln>
+              <a:noFill/>
+            </a:ln>
+            <a:effectLst>
+              <a:outerShdw blurRad="63500" sx="102000" sy="102000" algn="ctr" rotWithShape="0">
+                <a:prstClr val="black">
+                  <a:alpha val="20000"/>
+                </a:prstClr>
+              </a:outerShdw>
+            </a:effectLst>
+          </c:spPr>
+          <c:invertIfNegative val="0"/>
           <c:dPt>
             <c:idx val="0"/>
+            <c:invertIfNegative val="0"/>
             <c:bubble3D val="0"/>
             <c:spPr>
               <a:solidFill>
-                <a:schemeClr val="accent1"/>
+                <a:schemeClr val="accent2">
+                  <a:lumMod val="75000"/>
+                </a:schemeClr>
               </a:solidFill>
               <a:ln>
                 <a:noFill/>
@@ -3608,10 +3629,13 @@
           </c:dPt>
           <c:dPt>
             <c:idx val="1"/>
+            <c:invertIfNegative val="0"/>
             <c:bubble3D val="0"/>
             <c:spPr>
               <a:solidFill>
-                <a:schemeClr val="accent2"/>
+                <a:schemeClr val="accent2">
+                  <a:lumMod val="75000"/>
+                </a:schemeClr>
               </a:solidFill>
               <a:ln>
                 <a:noFill/>
@@ -3632,10 +3656,13 @@
           </c:dPt>
           <c:dPt>
             <c:idx val="2"/>
+            <c:invertIfNegative val="0"/>
             <c:bubble3D val="0"/>
             <c:spPr>
               <a:solidFill>
-                <a:schemeClr val="accent3"/>
+                <a:schemeClr val="accent2">
+                  <a:lumMod val="75000"/>
+                </a:schemeClr>
               </a:solidFill>
               <a:ln>
                 <a:noFill/>
@@ -3656,10 +3683,11 @@
           </c:dPt>
           <c:dPt>
             <c:idx val="3"/>
+            <c:invertIfNegative val="0"/>
             <c:bubble3D val="0"/>
             <c:spPr>
               <a:solidFill>
-                <a:schemeClr val="accent4"/>
+                <a:schemeClr val="accent1"/>
               </a:solidFill>
               <a:ln>
                 <a:noFill/>
@@ -3680,10 +3708,11 @@
           </c:dPt>
           <c:dPt>
             <c:idx val="4"/>
+            <c:invertIfNegative val="0"/>
             <c:bubble3D val="0"/>
             <c:spPr>
               <a:solidFill>
-                <a:schemeClr val="accent5"/>
+                <a:schemeClr val="accent1"/>
               </a:solidFill>
               <a:ln>
                 <a:noFill/>
@@ -3704,10 +3733,11 @@
           </c:dPt>
           <c:dPt>
             <c:idx val="5"/>
+            <c:invertIfNegative val="0"/>
             <c:bubble3D val="0"/>
             <c:spPr>
               <a:solidFill>
-                <a:schemeClr val="accent6"/>
+                <a:schemeClr val="accent1"/>
               </a:solidFill>
               <a:ln>
                 <a:noFill/>
@@ -3728,12 +3758,11 @@
           </c:dPt>
           <c:dPt>
             <c:idx val="6"/>
+            <c:invertIfNegative val="0"/>
             <c:bubble3D val="0"/>
             <c:spPr>
               <a:solidFill>
-                <a:schemeClr val="accent1">
-                  <a:lumMod val="60000"/>
-                </a:schemeClr>
+                <a:schemeClr val="accent1"/>
               </a:solidFill>
               <a:ln>
                 <a:noFill/>
@@ -3755,6 +3784,130 @@
           <c:dLbls>
             <c:dLbl>
               <c:idx val="0"/>
+              <c:layout>
+                <c:manualLayout>
+                  <c:x val="0"/>
+                  <c:y val="-2.4102735740819301E-17"/>
+                </c:manualLayout>
+              </c:layout>
+              <c:tx>
+                <c:rich>
+                  <a:bodyPr/>
+                  <a:lstStyle/>
+                  <a:p>
+                    <a:r>
+                      <a:rPr lang="en-US" sz="1200" baseline="0" dirty="0"/>
+                      <a:t>29%</a:t>
+                    </a:r>
+                    <a:endParaRPr lang="en-US" sz="1200" dirty="0"/>
+                  </a:p>
+                </c:rich>
+              </c:tx>
+              <c:dLblPos val="outEnd"/>
+              <c:showLegendKey val="0"/>
+              <c:showVal val="1"/>
+              <c:showCatName val="1"/>
+              <c:showSerName val="0"/>
+              <c:showPercent val="0"/>
+              <c:showBubbleSize val="0"/>
+              <c:extLst>
+                <c:ext xmlns:c15="http://schemas.microsoft.com/office/drawing/2012/chart" uri="{CE6537A1-D6FC-4f65-9D91-7224C49458BB}">
+                  <c15:showDataLabelsRange val="0"/>
+                </c:ext>
+                <c:ext xmlns:c16="http://schemas.microsoft.com/office/drawing/2014/chart" uri="{C3380CC4-5D6E-409C-BE32-E72D297353CC}">
+                  <c16:uniqueId val="{00000001-A169-4916-A473-ED97A74B3D28}"/>
+                </c:ext>
+              </c:extLst>
+            </c:dLbl>
+            <c:dLbl>
+              <c:idx val="1"/>
+              <c:tx>
+                <c:rich>
+                  <a:bodyPr/>
+                  <a:lstStyle/>
+                  <a:p>
+                    <a:r>
+                      <a:rPr lang="en-US" sz="1200" baseline="0" dirty="0"/>
+                      <a:t> 24%</a:t>
+                    </a:r>
+                    <a:endParaRPr lang="en-US" sz="1200" dirty="0"/>
+                  </a:p>
+                </c:rich>
+              </c:tx>
+              <c:dLblPos val="outEnd"/>
+              <c:showLegendKey val="0"/>
+              <c:showVal val="1"/>
+              <c:showCatName val="1"/>
+              <c:showSerName val="0"/>
+              <c:showPercent val="0"/>
+              <c:showBubbleSize val="0"/>
+              <c:extLst>
+                <c:ext xmlns:c15="http://schemas.microsoft.com/office/drawing/2012/chart" uri="{CE6537A1-D6FC-4f65-9D91-7224C49458BB}">
+                  <c15:showDataLabelsRange val="0"/>
+                </c:ext>
+                <c:ext xmlns:c16="http://schemas.microsoft.com/office/drawing/2014/chart" uri="{C3380CC4-5D6E-409C-BE32-E72D297353CC}">
+                  <c16:uniqueId val="{00000003-A169-4916-A473-ED97A74B3D28}"/>
+                </c:ext>
+              </c:extLst>
+            </c:dLbl>
+            <c:dLbl>
+              <c:idx val="2"/>
+              <c:tx>
+                <c:rich>
+                  <a:bodyPr/>
+                  <a:lstStyle/>
+                  <a:p>
+                    <a:r>
+                      <a:rPr lang="en-US" sz="1200" baseline="0" dirty="0"/>
+                      <a:t> 21%</a:t>
+                    </a:r>
+                    <a:endParaRPr lang="en-US" sz="1200" dirty="0"/>
+                  </a:p>
+                </c:rich>
+              </c:tx>
+              <c:dLblPos val="outEnd"/>
+              <c:showLegendKey val="0"/>
+              <c:showVal val="1"/>
+              <c:showCatName val="1"/>
+              <c:showSerName val="0"/>
+              <c:showPercent val="0"/>
+              <c:showBubbleSize val="0"/>
+              <c:extLst>
+                <c:ext xmlns:c15="http://schemas.microsoft.com/office/drawing/2012/chart" uri="{CE6537A1-D6FC-4f65-9D91-7224C49458BB}">
+                  <c15:showDataLabelsRange val="0"/>
+                </c:ext>
+                <c:ext xmlns:c16="http://schemas.microsoft.com/office/drawing/2014/chart" uri="{C3380CC4-5D6E-409C-BE32-E72D297353CC}">
+                  <c16:uniqueId val="{00000005-A169-4916-A473-ED97A74B3D28}"/>
+                </c:ext>
+              </c:extLst>
+            </c:dLbl>
+            <c:dLbl>
+              <c:idx val="3"/>
+              <c:tx>
+                <c:rich>
+                  <a:bodyPr rot="0" spcFirstLastPara="1" vertOverflow="ellipsis" vert="horz" wrap="square" lIns="38100" tIns="19050" rIns="38100" bIns="19050" anchor="ctr" anchorCtr="1">
+                    <a:spAutoFit/>
+                  </a:bodyPr>
+                  <a:lstStyle/>
+                  <a:p>
+                    <a:pPr>
+                      <a:defRPr sz="1200" b="1" i="0" u="none" strike="noStrike" kern="1200" spc="0" baseline="0">
+                        <a:solidFill>
+                          <a:schemeClr val="accent1"/>
+                        </a:solidFill>
+                        <a:latin typeface="+mn-lt"/>
+                        <a:ea typeface="+mn-ea"/>
+                        <a:cs typeface="+mn-cs"/>
+                      </a:defRPr>
+                    </a:pPr>
+                    <a:r>
+                      <a:rPr lang="en-US" sz="1200" baseline="0" dirty="0"/>
+                      <a:t>12%</a:t>
+                    </a:r>
+                    <a:endParaRPr lang="en-US" sz="1200" dirty="0"/>
+                  </a:p>
+                </c:rich>
+              </c:tx>
               <c:spPr>
                 <a:noFill/>
                 <a:ln>
@@ -3769,7 +3922,7 @@
                 <a:lstStyle/>
                 <a:p>
                   <a:pPr>
-                    <a:defRPr sz="800" b="1" i="0" u="none" strike="noStrike" kern="1200" spc="0" baseline="0">
+                    <a:defRPr sz="1200" b="1" i="0" u="none" strike="noStrike" kern="1200" spc="0" baseline="0">
                       <a:solidFill>
                         <a:schemeClr val="accent1"/>
                       </a:solidFill>
@@ -3783,19 +3936,47 @@
               </c:txPr>
               <c:dLblPos val="outEnd"/>
               <c:showLegendKey val="0"/>
-              <c:showVal val="0"/>
+              <c:showVal val="1"/>
               <c:showCatName val="1"/>
               <c:showSerName val="0"/>
-              <c:showPercent val="1"/>
+              <c:showPercent val="0"/>
               <c:showBubbleSize val="0"/>
               <c:extLst>
+                <c:ext xmlns:c15="http://schemas.microsoft.com/office/drawing/2012/chart" uri="{CE6537A1-D6FC-4f65-9D91-7224C49458BB}">
+                  <c15:showDataLabelsRange val="0"/>
+                </c:ext>
                 <c:ext xmlns:c16="http://schemas.microsoft.com/office/drawing/2014/chart" uri="{C3380CC4-5D6E-409C-BE32-E72D297353CC}">
-                  <c16:uniqueId val="{00000001-A169-4916-A473-ED97A74B3D28}"/>
+                  <c16:uniqueId val="{00000007-A169-4916-A473-ED97A74B3D28}"/>
                 </c:ext>
               </c:extLst>
             </c:dLbl>
             <c:dLbl>
-              <c:idx val="1"/>
+              <c:idx val="4"/>
+              <c:tx>
+                <c:rich>
+                  <a:bodyPr rot="0" spcFirstLastPara="1" vertOverflow="ellipsis" vert="horz" wrap="square" lIns="38100" tIns="19050" rIns="38100" bIns="19050" anchor="ctr" anchorCtr="1">
+                    <a:spAutoFit/>
+                  </a:bodyPr>
+                  <a:lstStyle/>
+                  <a:p>
+                    <a:pPr>
+                      <a:defRPr sz="1200" b="1" i="0" u="none" strike="noStrike" kern="1200" spc="0" baseline="0">
+                        <a:solidFill>
+                          <a:schemeClr val="accent1"/>
+                        </a:solidFill>
+                        <a:latin typeface="+mn-lt"/>
+                        <a:ea typeface="+mn-ea"/>
+                        <a:cs typeface="+mn-cs"/>
+                      </a:defRPr>
+                    </a:pPr>
+                    <a:r>
+                      <a:rPr lang="en-US" sz="1200" baseline="0" dirty="0"/>
+                      <a:t>7%</a:t>
+                    </a:r>
+                    <a:endParaRPr lang="en-US" sz="1200" dirty="0"/>
+                  </a:p>
+                </c:rich>
+              </c:tx>
               <c:spPr>
                 <a:noFill/>
                 <a:ln>
@@ -3810,9 +3991,9 @@
                 <a:lstStyle/>
                 <a:p>
                   <a:pPr>
-                    <a:defRPr sz="800" b="1" i="0" u="none" strike="noStrike" kern="1200" spc="0" baseline="0">
+                    <a:defRPr sz="1200" b="1" i="0" u="none" strike="noStrike" kern="1200" spc="0" baseline="0">
                       <a:solidFill>
-                        <a:schemeClr val="accent2"/>
+                        <a:schemeClr val="accent1"/>
                       </a:solidFill>
                       <a:latin typeface="+mn-lt"/>
                       <a:ea typeface="+mn-ea"/>
@@ -3824,19 +4005,47 @@
               </c:txPr>
               <c:dLblPos val="outEnd"/>
               <c:showLegendKey val="0"/>
-              <c:showVal val="0"/>
+              <c:showVal val="1"/>
               <c:showCatName val="1"/>
               <c:showSerName val="0"/>
-              <c:showPercent val="1"/>
+              <c:showPercent val="0"/>
               <c:showBubbleSize val="0"/>
               <c:extLst>
+                <c:ext xmlns:c15="http://schemas.microsoft.com/office/drawing/2012/chart" uri="{CE6537A1-D6FC-4f65-9D91-7224C49458BB}">
+                  <c15:showDataLabelsRange val="0"/>
+                </c:ext>
                 <c:ext xmlns:c16="http://schemas.microsoft.com/office/drawing/2014/chart" uri="{C3380CC4-5D6E-409C-BE32-E72D297353CC}">
-                  <c16:uniqueId val="{00000003-A169-4916-A473-ED97A74B3D28}"/>
+                  <c16:uniqueId val="{00000001-70F5-478F-BBE1-5DFAACBC03FF}"/>
                 </c:ext>
               </c:extLst>
             </c:dLbl>
             <c:dLbl>
-              <c:idx val="2"/>
+              <c:idx val="5"/>
+              <c:tx>
+                <c:rich>
+                  <a:bodyPr rot="0" spcFirstLastPara="1" vertOverflow="ellipsis" vert="horz" wrap="square" lIns="38100" tIns="19050" rIns="38100" bIns="19050" anchor="ctr" anchorCtr="1">
+                    <a:spAutoFit/>
+                  </a:bodyPr>
+                  <a:lstStyle/>
+                  <a:p>
+                    <a:pPr>
+                      <a:defRPr sz="1200" b="1" i="0" u="none" strike="noStrike" kern="1200" spc="0" baseline="0">
+                        <a:solidFill>
+                          <a:schemeClr val="accent1"/>
+                        </a:solidFill>
+                        <a:latin typeface="+mn-lt"/>
+                        <a:ea typeface="+mn-ea"/>
+                        <a:cs typeface="+mn-cs"/>
+                      </a:defRPr>
+                    </a:pPr>
+                    <a:r>
+                      <a:rPr lang="en-US" sz="1200" baseline="0" dirty="0"/>
+                      <a:t>6%</a:t>
+                    </a:r>
+                    <a:endParaRPr lang="en-US" sz="1200" dirty="0"/>
+                  </a:p>
+                </c:rich>
+              </c:tx>
               <c:spPr>
                 <a:noFill/>
                 <a:ln>
@@ -3851,9 +4060,9 @@
                 <a:lstStyle/>
                 <a:p>
                   <a:pPr>
-                    <a:defRPr sz="800" b="1" i="0" u="none" strike="noStrike" kern="1200" spc="0" baseline="0">
+                    <a:defRPr sz="1200" b="1" i="0" u="none" strike="noStrike" kern="1200" spc="0" baseline="0">
                       <a:solidFill>
-                        <a:schemeClr val="accent3"/>
+                        <a:schemeClr val="accent1"/>
                       </a:solidFill>
                       <a:latin typeface="+mn-lt"/>
                       <a:ea typeface="+mn-ea"/>
@@ -3865,19 +4074,47 @@
               </c:txPr>
               <c:dLblPos val="outEnd"/>
               <c:showLegendKey val="0"/>
-              <c:showVal val="0"/>
+              <c:showVal val="1"/>
               <c:showCatName val="1"/>
               <c:showSerName val="0"/>
-              <c:showPercent val="1"/>
+              <c:showPercent val="0"/>
               <c:showBubbleSize val="0"/>
               <c:extLst>
+                <c:ext xmlns:c15="http://schemas.microsoft.com/office/drawing/2012/chart" uri="{CE6537A1-D6FC-4f65-9D91-7224C49458BB}">
+                  <c15:showDataLabelsRange val="0"/>
+                </c:ext>
                 <c:ext xmlns:c16="http://schemas.microsoft.com/office/drawing/2014/chart" uri="{C3380CC4-5D6E-409C-BE32-E72D297353CC}">
-                  <c16:uniqueId val="{00000005-A169-4916-A473-ED97A74B3D28}"/>
+                  <c16:uniqueId val="{00000002-70F5-478F-BBE1-5DFAACBC03FF}"/>
                 </c:ext>
               </c:extLst>
             </c:dLbl>
             <c:dLbl>
-              <c:idx val="3"/>
+              <c:idx val="6"/>
+              <c:tx>
+                <c:rich>
+                  <a:bodyPr rot="0" spcFirstLastPara="1" vertOverflow="ellipsis" vert="horz" wrap="square" lIns="38100" tIns="19050" rIns="38100" bIns="19050" anchor="ctr" anchorCtr="1">
+                    <a:spAutoFit/>
+                  </a:bodyPr>
+                  <a:lstStyle/>
+                  <a:p>
+                    <a:pPr>
+                      <a:defRPr sz="1200" b="1" i="0" u="none" strike="noStrike" kern="1200" spc="0" baseline="0">
+                        <a:solidFill>
+                          <a:schemeClr val="accent1"/>
+                        </a:solidFill>
+                        <a:latin typeface="+mn-lt"/>
+                        <a:ea typeface="+mn-ea"/>
+                        <a:cs typeface="+mn-cs"/>
+                      </a:defRPr>
+                    </a:pPr>
+                    <a:r>
+                      <a:rPr lang="en-US" sz="1200" baseline="0" dirty="0"/>
+                      <a:t> 2%</a:t>
+                    </a:r>
+                    <a:endParaRPr lang="en-US" sz="1200" dirty="0"/>
+                  </a:p>
+                </c:rich>
+              </c:tx>
               <c:spPr>
                 <a:noFill/>
                 <a:ln>
@@ -3892,48 +4129,7 @@
                 <a:lstStyle/>
                 <a:p>
                   <a:pPr>
-                    <a:defRPr sz="800" b="1" i="0" u="none" strike="noStrike" kern="1200" spc="0" baseline="0">
-                      <a:solidFill>
-                        <a:schemeClr val="accent4"/>
-                      </a:solidFill>
-                      <a:latin typeface="+mn-lt"/>
-                      <a:ea typeface="+mn-ea"/>
-                      <a:cs typeface="+mn-cs"/>
-                    </a:defRPr>
-                  </a:pPr>
-                  <a:endParaRPr lang="es-CL"/>
-                </a:p>
-              </c:txPr>
-              <c:dLblPos val="outEnd"/>
-              <c:showLegendKey val="0"/>
-              <c:showVal val="0"/>
-              <c:showCatName val="1"/>
-              <c:showSerName val="0"/>
-              <c:showPercent val="1"/>
-              <c:showBubbleSize val="0"/>
-              <c:extLst>
-                <c:ext xmlns:c16="http://schemas.microsoft.com/office/drawing/2014/chart" uri="{C3380CC4-5D6E-409C-BE32-E72D297353CC}">
-                  <c16:uniqueId val="{00000007-A169-4916-A473-ED97A74B3D28}"/>
-                </c:ext>
-              </c:extLst>
-            </c:dLbl>
-            <c:dLbl>
-              <c:idx val="4"/>
-              <c:spPr>
-                <a:noFill/>
-                <a:ln>
-                  <a:noFill/>
-                </a:ln>
-                <a:effectLst/>
-              </c:spPr>
-              <c:txPr>
-                <a:bodyPr rot="0" spcFirstLastPara="1" vertOverflow="ellipsis" vert="horz" wrap="square" lIns="38100" tIns="19050" rIns="38100" bIns="19050" anchor="ctr" anchorCtr="1">
-                  <a:spAutoFit/>
-                </a:bodyPr>
-                <a:lstStyle/>
-                <a:p>
-                  <a:pPr>
-                    <a:defRPr sz="800" b="1" i="0" u="none" strike="noStrike" kern="1200" spc="0" baseline="0">
+                    <a:defRPr sz="1200" b="1" i="0" u="none" strike="noStrike" kern="1200" spc="0" baseline="0">
                       <a:solidFill>
                         <a:schemeClr val="accent1"/>
                       </a:solidFill>
@@ -3947,94 +4143,15 @@
               </c:txPr>
               <c:dLblPos val="outEnd"/>
               <c:showLegendKey val="0"/>
-              <c:showVal val="0"/>
+              <c:showVal val="1"/>
               <c:showCatName val="1"/>
               <c:showSerName val="0"/>
-              <c:showPercent val="1"/>
+              <c:showPercent val="0"/>
               <c:showBubbleSize val="0"/>
               <c:extLst>
-                <c:ext xmlns:c16="http://schemas.microsoft.com/office/drawing/2014/chart" uri="{C3380CC4-5D6E-409C-BE32-E72D297353CC}">
-                  <c16:uniqueId val="{00000001-70F5-478F-BBE1-5DFAACBC03FF}"/>
+                <c:ext xmlns:c15="http://schemas.microsoft.com/office/drawing/2012/chart" uri="{CE6537A1-D6FC-4f65-9D91-7224C49458BB}">
+                  <c15:showDataLabelsRange val="0"/>
                 </c:ext>
-              </c:extLst>
-            </c:dLbl>
-            <c:dLbl>
-              <c:idx val="5"/>
-              <c:spPr>
-                <a:noFill/>
-                <a:ln>
-                  <a:noFill/>
-                </a:ln>
-                <a:effectLst/>
-              </c:spPr>
-              <c:txPr>
-                <a:bodyPr rot="0" spcFirstLastPara="1" vertOverflow="ellipsis" vert="horz" wrap="square" lIns="38100" tIns="19050" rIns="38100" bIns="19050" anchor="ctr" anchorCtr="1">
-                  <a:spAutoFit/>
-                </a:bodyPr>
-                <a:lstStyle/>
-                <a:p>
-                  <a:pPr>
-                    <a:defRPr sz="800" b="1" i="0" u="none" strike="noStrike" kern="1200" spc="0" baseline="0">
-                      <a:solidFill>
-                        <a:schemeClr val="accent1"/>
-                      </a:solidFill>
-                      <a:latin typeface="+mn-lt"/>
-                      <a:ea typeface="+mn-ea"/>
-                      <a:cs typeface="+mn-cs"/>
-                    </a:defRPr>
-                  </a:pPr>
-                  <a:endParaRPr lang="es-CL"/>
-                </a:p>
-              </c:txPr>
-              <c:dLblPos val="outEnd"/>
-              <c:showLegendKey val="0"/>
-              <c:showVal val="0"/>
-              <c:showCatName val="1"/>
-              <c:showSerName val="0"/>
-              <c:showPercent val="1"/>
-              <c:showBubbleSize val="0"/>
-              <c:extLst>
-                <c:ext xmlns:c16="http://schemas.microsoft.com/office/drawing/2014/chart" uri="{C3380CC4-5D6E-409C-BE32-E72D297353CC}">
-                  <c16:uniqueId val="{00000002-70F5-478F-BBE1-5DFAACBC03FF}"/>
-                </c:ext>
-              </c:extLst>
-            </c:dLbl>
-            <c:dLbl>
-              <c:idx val="6"/>
-              <c:spPr>
-                <a:noFill/>
-                <a:ln>
-                  <a:noFill/>
-                </a:ln>
-                <a:effectLst/>
-              </c:spPr>
-              <c:txPr>
-                <a:bodyPr rot="0" spcFirstLastPara="1" vertOverflow="ellipsis" vert="horz" wrap="square" lIns="38100" tIns="19050" rIns="38100" bIns="19050" anchor="ctr" anchorCtr="1">
-                  <a:spAutoFit/>
-                </a:bodyPr>
-                <a:lstStyle/>
-                <a:p>
-                  <a:pPr>
-                    <a:defRPr sz="800" b="1" i="0" u="none" strike="noStrike" kern="1200" spc="0" baseline="0">
-                      <a:solidFill>
-                        <a:schemeClr val="accent1"/>
-                      </a:solidFill>
-                      <a:latin typeface="+mn-lt"/>
-                      <a:ea typeface="+mn-ea"/>
-                      <a:cs typeface="+mn-cs"/>
-                    </a:defRPr>
-                  </a:pPr>
-                  <a:endParaRPr lang="es-CL"/>
-                </a:p>
-              </c:txPr>
-              <c:dLblPos val="outEnd"/>
-              <c:showLegendKey val="0"/>
-              <c:showVal val="0"/>
-              <c:showCatName val="1"/>
-              <c:showSerName val="0"/>
-              <c:showPercent val="1"/>
-              <c:showBubbleSize val="0"/>
-              <c:extLst>
                 <c:ext xmlns:c16="http://schemas.microsoft.com/office/drawing/2014/chart" uri="{C3380CC4-5D6E-409C-BE32-E72D297353CC}">
                   <c16:uniqueId val="{00000003-70F5-478F-BBE1-5DFAACBC03FF}"/>
                 </c:ext>
@@ -4054,9 +4171,9 @@
               <a:lstStyle/>
               <a:p>
                 <a:pPr>
-                  <a:defRPr sz="800" b="1" i="0" u="none" strike="noStrike" kern="1200" spc="0" baseline="0">
+                  <a:defRPr sz="1200" b="1" i="0" u="none" strike="noStrike" kern="1200" spc="0" baseline="0">
                     <a:solidFill>
-                      <a:schemeClr val="accent1"/>
+                      <a:schemeClr val="accent2"/>
                     </a:solidFill>
                     <a:latin typeface="+mn-lt"/>
                     <a:ea typeface="+mn-ea"/>
@@ -4068,28 +4185,30 @@
             </c:txPr>
             <c:dLblPos val="outEnd"/>
             <c:showLegendKey val="0"/>
-            <c:showVal val="0"/>
+            <c:showVal val="1"/>
             <c:showCatName val="1"/>
             <c:showSerName val="0"/>
-            <c:showPercent val="1"/>
+            <c:showPercent val="0"/>
             <c:showBubbleSize val="0"/>
-            <c:showLeaderLines val="1"/>
-            <c:leaderLines>
-              <c:spPr>
-                <a:ln w="9525" cap="flat" cmpd="sng" algn="ctr">
-                  <a:solidFill>
-                    <a:schemeClr val="tx1">
-                      <a:lumMod val="35000"/>
-                      <a:lumOff val="65000"/>
-                    </a:schemeClr>
-                  </a:solidFill>
-                  <a:round/>
-                </a:ln>
-                <a:effectLst/>
-              </c:spPr>
-            </c:leaderLines>
+            <c:showLeaderLines val="0"/>
             <c:extLst>
-              <c:ext xmlns:c15="http://schemas.microsoft.com/office/drawing/2012/chart" uri="{CE6537A1-D6FC-4f65-9D91-7224C49458BB}"/>
+              <c:ext xmlns:c15="http://schemas.microsoft.com/office/drawing/2012/chart" uri="{CE6537A1-D6FC-4f65-9D91-7224C49458BB}">
+                <c15:showLeaderLines val="1"/>
+                <c15:leaderLines>
+                  <c:spPr>
+                    <a:ln w="9525" cap="flat" cmpd="sng" algn="ctr">
+                      <a:solidFill>
+                        <a:schemeClr val="tx1">
+                          <a:lumMod val="35000"/>
+                          <a:lumOff val="65000"/>
+                        </a:schemeClr>
+                      </a:solidFill>
+                      <a:round/>
+                    </a:ln>
+                    <a:effectLst/>
+                  </c:spPr>
+                </c15:leaderLines>
+              </c:ext>
             </c:extLst>
           </c:dLbls>
           <c:cat>
@@ -4158,17 +4277,104 @@
           </c:extLst>
         </c:ser>
         <c:dLbls>
-          <c:dLblPos val="outEnd"/>
           <c:showLegendKey val="0"/>
           <c:showVal val="0"/>
           <c:showCatName val="0"/>
           <c:showSerName val="0"/>
-          <c:showPercent val="1"/>
+          <c:showPercent val="0"/>
           <c:showBubbleSize val="0"/>
-          <c:showLeaderLines val="1"/>
         </c:dLbls>
-        <c:firstSliceAng val="0"/>
-      </c:pieChart>
+        <c:gapWidth val="100"/>
+        <c:axId val="641703728"/>
+        <c:axId val="641705968"/>
+      </c:barChart>
+      <c:catAx>
+        <c:axId val="641703728"/>
+        <c:scaling>
+          <c:orientation val="minMax"/>
+        </c:scaling>
+        <c:delete val="0"/>
+        <c:axPos val="b"/>
+        <c:numFmt formatCode="General" sourceLinked="1"/>
+        <c:majorTickMark val="out"/>
+        <c:minorTickMark val="none"/>
+        <c:tickLblPos val="nextTo"/>
+        <c:spPr>
+          <a:noFill/>
+          <a:ln>
+            <a:noFill/>
+          </a:ln>
+          <a:effectLst/>
+        </c:spPr>
+        <c:txPr>
+          <a:bodyPr rot="-60000000" spcFirstLastPara="1" vertOverflow="ellipsis" vert="horz" wrap="square" anchor="ctr" anchorCtr="1"/>
+          <a:lstStyle/>
+          <a:p>
+            <a:pPr>
+              <a:defRPr sz="1197" b="0" i="0" u="none" strike="noStrike" kern="1200" baseline="0">
+                <a:solidFill>
+                  <a:schemeClr val="tx1">
+                    <a:lumMod val="65000"/>
+                    <a:lumOff val="35000"/>
+                  </a:schemeClr>
+                </a:solidFill>
+                <a:latin typeface="+mn-lt"/>
+                <a:ea typeface="+mn-ea"/>
+                <a:cs typeface="+mn-cs"/>
+              </a:defRPr>
+            </a:pPr>
+            <a:endParaRPr lang="es-CL"/>
+          </a:p>
+        </c:txPr>
+        <c:crossAx val="641705968"/>
+        <c:crosses val="autoZero"/>
+        <c:auto val="1"/>
+        <c:lblAlgn val="ctr"/>
+        <c:lblOffset val="100"/>
+        <c:noMultiLvlLbl val="0"/>
+      </c:catAx>
+      <c:valAx>
+        <c:axId val="641705968"/>
+        <c:scaling>
+          <c:orientation val="minMax"/>
+        </c:scaling>
+        <c:delete val="0"/>
+        <c:axPos val="l"/>
+        <c:numFmt formatCode="General" sourceLinked="1"/>
+        <c:majorTickMark val="out"/>
+        <c:minorTickMark val="none"/>
+        <c:tickLblPos val="nextTo"/>
+        <c:spPr>
+          <a:noFill/>
+          <a:ln>
+            <a:noFill/>
+          </a:ln>
+          <a:effectLst/>
+        </c:spPr>
+        <c:txPr>
+          <a:bodyPr rot="-60000000" spcFirstLastPara="1" vertOverflow="ellipsis" vert="horz" wrap="square" anchor="ctr" anchorCtr="1"/>
+          <a:lstStyle/>
+          <a:p>
+            <a:pPr>
+              <a:defRPr sz="1197" b="0" i="0" u="none" strike="noStrike" kern="1200" baseline="0">
+                <a:solidFill>
+                  <a:schemeClr val="tx1">
+                    <a:lumMod val="65000"/>
+                    <a:lumOff val="35000"/>
+                  </a:schemeClr>
+                </a:solidFill>
+                <a:latin typeface="+mn-lt"/>
+                <a:ea typeface="+mn-ea"/>
+                <a:cs typeface="+mn-cs"/>
+              </a:defRPr>
+            </a:pPr>
+            <a:endParaRPr lang="es-CL"/>
+          </a:p>
+        </c:txPr>
+        <c:crossAx val="641703728"/>
+        <c:crosses val="autoZero"/>
+        <c:crossBetween val="between"/>
+      </c:valAx>
       <c:spPr>
         <a:noFill/>
         <a:ln>
@@ -16347,8 +16553,8 @@
         </p:nvSpPr>
         <p:spPr>
           <a:xfrm>
-            <a:off x="966951" y="3355130"/>
-            <a:ext cx="2669407" cy="2427333"/>
+            <a:off x="966952" y="3355130"/>
+            <a:ext cx="2802616" cy="2756421"/>
           </a:xfrm>
           <a:prstGeom prst="rect">
             <a:avLst/>
@@ -16371,8 +16577,40 @@
               <a:buChar char="•"/>
             </a:pPr>
             <a:r>
-              <a:rPr lang="en-US" sz="1600"/>
-              <a:t>El 75% de los capítulos han tenido entre 3 y 5 pasadas.</a:t>
+              <a:rPr lang="en-US" sz="1600" dirty="0"/>
+              <a:t>El 75% de los </a:t>
+            </a:r>
+            <a:r>
+              <a:rPr lang="en-US" sz="1600" dirty="0" err="1"/>
+              <a:t>capítulos</a:t>
+            </a:r>
+            <a:r>
+              <a:rPr lang="en-US" sz="1600" dirty="0"/>
+              <a:t> </a:t>
+            </a:r>
+            <a:r>
+              <a:rPr lang="en-US" sz="1600" dirty="0" err="1"/>
+              <a:t>han</a:t>
+            </a:r>
+            <a:r>
+              <a:rPr lang="en-US" sz="1600" dirty="0"/>
+              <a:t> </a:t>
+            </a:r>
+            <a:r>
+              <a:rPr lang="en-US" sz="1600" dirty="0" err="1"/>
+              <a:t>tenido</a:t>
+            </a:r>
+            <a:r>
+              <a:rPr lang="en-US" sz="1600" dirty="0"/>
+              <a:t> entre 3 y 5 </a:t>
+            </a:r>
+            <a:r>
+              <a:rPr lang="en-US" sz="1600" dirty="0" err="1"/>
+              <a:t>pasadas</a:t>
+            </a:r>
+            <a:r>
+              <a:rPr lang="en-US" sz="1600" dirty="0"/>
+              <a:t>.</a:t>
             </a:r>
           </a:p>
           <a:p>
@@ -16386,7 +16624,7 @@
               <a:buFont typeface="Arial" panose="020B0604020202020204" pitchFamily="34" charset="0"/>
               <a:buChar char="•"/>
             </a:pPr>
-            <a:endParaRPr lang="en-US" sz="1600"/>
+            <a:endParaRPr lang="en-US" sz="1600" dirty="0"/>
           </a:p>
           <a:p>
             <a:pPr indent="-228600">
@@ -16400,8 +16638,56 @@
               <a:buChar char="•"/>
             </a:pPr>
             <a:r>
-              <a:rPr lang="en-US" sz="1600"/>
-              <a:t>El 40% de las emisiones que se repiten tienen una variación positiva de rendimiento.</a:t>
+              <a:rPr lang="en-US" sz="1600" dirty="0"/>
+              <a:t>El 40% de las </a:t>
+            </a:r>
+            <a:r>
+              <a:rPr lang="en-US" sz="1600" dirty="0" err="1"/>
+              <a:t>emisiones</a:t>
+            </a:r>
+            <a:r>
+              <a:rPr lang="en-US" sz="1600" dirty="0"/>
+              <a:t> que se </a:t>
+            </a:r>
+            <a:r>
+              <a:rPr lang="en-US" sz="1600" dirty="0" err="1"/>
+              <a:t>repiten</a:t>
+            </a:r>
+            <a:r>
+              <a:rPr lang="en-US" sz="1600" dirty="0"/>
+              <a:t> </a:t>
+            </a:r>
+            <a:r>
+              <a:rPr lang="en-US" sz="1600" dirty="0" err="1"/>
+              <a:t>tienen</a:t>
+            </a:r>
+            <a:r>
+              <a:rPr lang="en-US" sz="1600" dirty="0"/>
+              <a:t> una </a:t>
+            </a:r>
+            <a:r>
+              <a:rPr lang="en-US" sz="1600" dirty="0" err="1"/>
+              <a:t>variación</a:t>
+            </a:r>
+            <a:r>
+              <a:rPr lang="en-US" sz="1600" dirty="0"/>
+              <a:t> </a:t>
+            </a:r>
+            <a:r>
+              <a:rPr lang="en-US" sz="1600" dirty="0" err="1"/>
+              <a:t>positiva</a:t>
+            </a:r>
+            <a:r>
+              <a:rPr lang="en-US" sz="1600" dirty="0"/>
+              <a:t> de </a:t>
+            </a:r>
+            <a:r>
+              <a:rPr lang="en-US" sz="1600" dirty="0" err="1"/>
+              <a:t>rendimiento</a:t>
+            </a:r>
+            <a:r>
+              <a:rPr lang="en-US" sz="1600" dirty="0"/>
+              <a:t>.</a:t>
             </a:r>
           </a:p>
         </p:txBody>
@@ -16419,7 +16705,7 @@
           <p:nvPr>
             <p:extLst>
               <p:ext uri="{D42A27DB-BD31-4B8C-83A1-F6EECF244321}">
-                <p14:modId xmlns:p14="http://schemas.microsoft.com/office/powerpoint/2010/main" val="3294686230"/>
+                <p14:modId xmlns:p14="http://schemas.microsoft.com/office/powerpoint/2010/main" val="971323595"/>
               </p:ext>
             </p:extLst>
           </p:nvPr>
